--- a/A. Raspberry Pi - Image Processing/#2 - Python Part 1 (Variabel, Data type, Operator)/P2 - Python Part 1 (Variable, Data type, Operator).pptx
+++ b/A. Raspberry Pi - Image Processing/#2 - Python Part 1 (Variabel, Data type, Operator)/P2 - Python Part 1 (Variable, Data type, Operator).pptx
@@ -10912,7 +10912,7 @@
           <a:p>
             <a:r>
               <a:rPr lang="en-US" sz="1600" b="1"/>
-              <a:t>total harga beras = banyaknya beras (kg) x 9500</a:t>
+              <a:t>total harga beras = banyaknya beras x 9500</a:t>
             </a:r>
             <a:endParaRPr lang="en-US" sz="1600" b="1"/>
           </a:p>
